--- a/SWaD_kids_et/Pictures/swad_kids_pictures.pptx
+++ b/SWaD_kids_et/Pictures/swad_kids_pictures.pptx
@@ -14,13 +14,19 @@
     <p:sldId id="260" r:id="rId8"/>
     <p:sldId id="261" r:id="rId9"/>
     <p:sldId id="270" r:id="rId10"/>
-    <p:sldId id="271" r:id="rId11"/>
-    <p:sldId id="272" r:id="rId12"/>
-    <p:sldId id="273" r:id="rId13"/>
-    <p:sldId id="274" r:id="rId14"/>
-    <p:sldId id="275" r:id="rId15"/>
-    <p:sldId id="276" r:id="rId16"/>
-    <p:sldId id="267" r:id="rId17"/>
+    <p:sldId id="277" r:id="rId11"/>
+    <p:sldId id="271" r:id="rId12"/>
+    <p:sldId id="278" r:id="rId13"/>
+    <p:sldId id="279" r:id="rId14"/>
+    <p:sldId id="280" r:id="rId15"/>
+    <p:sldId id="272" r:id="rId16"/>
+    <p:sldId id="281" r:id="rId17"/>
+    <p:sldId id="283" r:id="rId18"/>
+    <p:sldId id="282" r:id="rId19"/>
+    <p:sldId id="273" r:id="rId20"/>
+    <p:sldId id="284" r:id="rId21"/>
+    <p:sldId id="285" r:id="rId22"/>
+    <p:sldId id="267" r:id="rId23"/>
   </p:sldIdLst>
   <p:sldSz cx="12192000" cy="6858000"/>
   <p:notesSz cx="6858000" cy="9144000"/>
@@ -269,7 +275,7 @@
           <a:p>
             <a:fld id="{CBCC5144-6BDF-4297-BBC8-565402AE424E}" type="datetimeFigureOut">
               <a:rPr lang="de-DE" smtClean="0"/>
-              <a:t>09.07.2019</a:t>
+              <a:t>21.07.2019</a:t>
             </a:fld>
             <a:endParaRPr lang="de-DE"/>
           </a:p>
@@ -439,7 +445,7 @@
           <a:p>
             <a:fld id="{CBCC5144-6BDF-4297-BBC8-565402AE424E}" type="datetimeFigureOut">
               <a:rPr lang="de-DE" smtClean="0"/>
-              <a:t>09.07.2019</a:t>
+              <a:t>21.07.2019</a:t>
             </a:fld>
             <a:endParaRPr lang="de-DE"/>
           </a:p>
@@ -619,7 +625,7 @@
           <a:p>
             <a:fld id="{CBCC5144-6BDF-4297-BBC8-565402AE424E}" type="datetimeFigureOut">
               <a:rPr lang="de-DE" smtClean="0"/>
-              <a:t>09.07.2019</a:t>
+              <a:t>21.07.2019</a:t>
             </a:fld>
             <a:endParaRPr lang="de-DE"/>
           </a:p>
@@ -789,7 +795,7 @@
           <a:p>
             <a:fld id="{CBCC5144-6BDF-4297-BBC8-565402AE424E}" type="datetimeFigureOut">
               <a:rPr lang="de-DE" smtClean="0"/>
-              <a:t>09.07.2019</a:t>
+              <a:t>21.07.2019</a:t>
             </a:fld>
             <a:endParaRPr lang="de-DE"/>
           </a:p>
@@ -1035,7 +1041,7 @@
           <a:p>
             <a:fld id="{CBCC5144-6BDF-4297-BBC8-565402AE424E}" type="datetimeFigureOut">
               <a:rPr lang="de-DE" smtClean="0"/>
-              <a:t>09.07.2019</a:t>
+              <a:t>21.07.2019</a:t>
             </a:fld>
             <a:endParaRPr lang="de-DE"/>
           </a:p>
@@ -1267,7 +1273,7 @@
           <a:p>
             <a:fld id="{CBCC5144-6BDF-4297-BBC8-565402AE424E}" type="datetimeFigureOut">
               <a:rPr lang="de-DE" smtClean="0"/>
-              <a:t>09.07.2019</a:t>
+              <a:t>21.07.2019</a:t>
             </a:fld>
             <a:endParaRPr lang="de-DE"/>
           </a:p>
@@ -1634,7 +1640,7 @@
           <a:p>
             <a:fld id="{CBCC5144-6BDF-4297-BBC8-565402AE424E}" type="datetimeFigureOut">
               <a:rPr lang="de-DE" smtClean="0"/>
-              <a:t>09.07.2019</a:t>
+              <a:t>21.07.2019</a:t>
             </a:fld>
             <a:endParaRPr lang="de-DE"/>
           </a:p>
@@ -1752,7 +1758,7 @@
           <a:p>
             <a:fld id="{CBCC5144-6BDF-4297-BBC8-565402AE424E}" type="datetimeFigureOut">
               <a:rPr lang="de-DE" smtClean="0"/>
-              <a:t>09.07.2019</a:t>
+              <a:t>21.07.2019</a:t>
             </a:fld>
             <a:endParaRPr lang="de-DE"/>
           </a:p>
@@ -1847,7 +1853,7 @@
           <a:p>
             <a:fld id="{CBCC5144-6BDF-4297-BBC8-565402AE424E}" type="datetimeFigureOut">
               <a:rPr lang="de-DE" smtClean="0"/>
-              <a:t>09.07.2019</a:t>
+              <a:t>21.07.2019</a:t>
             </a:fld>
             <a:endParaRPr lang="de-DE"/>
           </a:p>
@@ -2124,7 +2130,7 @@
           <a:p>
             <a:fld id="{CBCC5144-6BDF-4297-BBC8-565402AE424E}" type="datetimeFigureOut">
               <a:rPr lang="de-DE" smtClean="0"/>
-              <a:t>09.07.2019</a:t>
+              <a:t>21.07.2019</a:t>
             </a:fld>
             <a:endParaRPr lang="de-DE"/>
           </a:p>
@@ -2381,7 +2387,7 @@
           <a:p>
             <a:fld id="{CBCC5144-6BDF-4297-BBC8-565402AE424E}" type="datetimeFigureOut">
               <a:rPr lang="de-DE" smtClean="0"/>
-              <a:t>09.07.2019</a:t>
+              <a:t>21.07.2019</a:t>
             </a:fld>
             <a:endParaRPr lang="de-DE"/>
           </a:p>
@@ -2594,7 +2600,7 @@
           <a:p>
             <a:fld id="{CBCC5144-6BDF-4297-BBC8-565402AE424E}" type="datetimeFigureOut">
               <a:rPr lang="de-DE" smtClean="0"/>
-              <a:t>09.07.2019</a:t>
+              <a:t>21.07.2019</a:t>
             </a:fld>
             <a:endParaRPr lang="de-DE"/>
           </a:p>
@@ -3079,8 +3085,8 @@
         </p:nvSpPr>
         <p:spPr>
           <a:xfrm>
-            <a:off x="4011911" y="3051462"/>
-            <a:ext cx="4884316" cy="748988"/>
+            <a:off x="3166162" y="3051462"/>
+            <a:ext cx="5859676" cy="748988"/>
           </a:xfrm>
           <a:prstGeom prst="rect">
             <a:avLst/>
@@ -3096,7 +3102,7 @@
             <a:pPr algn="ctr"/>
             <a:r>
               <a:rPr lang="de-DE" sz="4267" dirty="0" err="1"/>
-              <a:t>Run_selective_target</a:t>
+              <a:t>Divided_form_target</a:t>
             </a:r>
             <a:endParaRPr lang="de-DE" sz="4267" dirty="0"/>
           </a:p>
@@ -3105,7 +3111,7 @@
     </p:spTree>
     <p:extLst>
       <p:ext uri="{BB962C8B-B14F-4D97-AF65-F5344CB8AC3E}">
-        <p14:creationId xmlns:p14="http://schemas.microsoft.com/office/powerpoint/2010/main" val="2347049430"/>
+        <p14:creationId xmlns:p14="http://schemas.microsoft.com/office/powerpoint/2010/main" val="3968726544"/>
       </p:ext>
     </p:extLst>
   </p:cSld>
@@ -3146,8 +3152,8 @@
         </p:nvSpPr>
         <p:spPr>
           <a:xfrm>
-            <a:off x="3078898" y="3051462"/>
-            <a:ext cx="6034209" cy="748988"/>
+            <a:off x="3795601" y="3054506"/>
+            <a:ext cx="5230412" cy="748988"/>
           </a:xfrm>
           <a:prstGeom prst="rect">
             <a:avLst/>
@@ -3163,7 +3169,7 @@
             <a:pPr algn="ctr"/>
             <a:r>
               <a:rPr lang="de-DE" sz="4267" dirty="0" err="1"/>
-              <a:t>Run_selective_non_target</a:t>
+              <a:t>Selective_color_target</a:t>
             </a:r>
             <a:endParaRPr lang="de-DE" sz="4267" dirty="0"/>
           </a:p>
@@ -3172,7 +3178,7 @@
     </p:spTree>
     <p:extLst>
       <p:ext uri="{BB962C8B-B14F-4D97-AF65-F5344CB8AC3E}">
-        <p14:creationId xmlns:p14="http://schemas.microsoft.com/office/powerpoint/2010/main" val="2943876422"/>
+        <p14:creationId xmlns:p14="http://schemas.microsoft.com/office/powerpoint/2010/main" val="2347049430"/>
       </p:ext>
     </p:extLst>
   </p:cSld>
@@ -3213,8 +3219,8 @@
         </p:nvSpPr>
         <p:spPr>
           <a:xfrm>
-            <a:off x="3886059" y="3051462"/>
-            <a:ext cx="5115046" cy="748988"/>
+            <a:off x="3077846" y="3054506"/>
+            <a:ext cx="6252967" cy="748988"/>
           </a:xfrm>
           <a:prstGeom prst="rect">
             <a:avLst/>
@@ -3230,7 +3236,7 @@
             <a:pPr algn="ctr"/>
             <a:r>
               <a:rPr lang="de-DE" sz="4267" dirty="0" err="1"/>
-              <a:t>Run_s_divided_target</a:t>
+              <a:t>Selective_color_non_target</a:t>
             </a:r>
             <a:endParaRPr lang="de-DE" sz="4267" dirty="0"/>
           </a:p>
@@ -3239,7 +3245,7 @@
     </p:spTree>
     <p:extLst>
       <p:ext uri="{BB962C8B-B14F-4D97-AF65-F5344CB8AC3E}">
-        <p14:creationId xmlns:p14="http://schemas.microsoft.com/office/powerpoint/2010/main" val="3380513331"/>
+        <p14:creationId xmlns:p14="http://schemas.microsoft.com/office/powerpoint/2010/main" val="2054975640"/>
       </p:ext>
     </p:extLst>
   </p:cSld>
@@ -3280,8 +3286,8 @@
         </p:nvSpPr>
         <p:spPr>
           <a:xfrm>
-            <a:off x="2998361" y="3051462"/>
-            <a:ext cx="6195283" cy="748988"/>
+            <a:off x="3480794" y="3054506"/>
+            <a:ext cx="5230412" cy="748988"/>
           </a:xfrm>
           <a:prstGeom prst="rect">
             <a:avLst/>
@@ -3297,7 +3303,7 @@
             <a:pPr algn="ctr"/>
             <a:r>
               <a:rPr lang="de-DE" sz="4267" dirty="0" err="1"/>
-              <a:t>Run_s_divided_non_target</a:t>
+              <a:t>Selective_form_target</a:t>
             </a:r>
             <a:endParaRPr lang="de-DE" sz="4267" dirty="0"/>
           </a:p>
@@ -3306,7 +3312,7 @@
     </p:spTree>
     <p:extLst>
       <p:ext uri="{BB962C8B-B14F-4D97-AF65-F5344CB8AC3E}">
-        <p14:creationId xmlns:p14="http://schemas.microsoft.com/office/powerpoint/2010/main" val="879650198"/>
+        <p14:creationId xmlns:p14="http://schemas.microsoft.com/office/powerpoint/2010/main" val="3239785637"/>
       </p:ext>
     </p:extLst>
   </p:cSld>
@@ -3347,8 +3353,8 @@
         </p:nvSpPr>
         <p:spPr>
           <a:xfrm>
-            <a:off x="3428358" y="3051462"/>
-            <a:ext cx="5335289" cy="748988"/>
+            <a:off x="3313820" y="3054506"/>
+            <a:ext cx="6184141" cy="748988"/>
           </a:xfrm>
           <a:prstGeom prst="rect">
             <a:avLst/>
@@ -3364,7 +3370,7 @@
             <a:pPr algn="ctr"/>
             <a:r>
               <a:rPr lang="de-DE" sz="4267" dirty="0" err="1"/>
-              <a:t>Run_s_selective_target</a:t>
+              <a:t>Selective_form_non_target</a:t>
             </a:r>
             <a:endParaRPr lang="de-DE" sz="4267" dirty="0"/>
           </a:p>
@@ -3373,7 +3379,7 @@
     </p:spTree>
     <p:extLst>
       <p:ext uri="{BB962C8B-B14F-4D97-AF65-F5344CB8AC3E}">
-        <p14:creationId xmlns:p14="http://schemas.microsoft.com/office/powerpoint/2010/main" val="151455820"/>
+        <p14:creationId xmlns:p14="http://schemas.microsoft.com/office/powerpoint/2010/main" val="1967617394"/>
       </p:ext>
     </p:extLst>
   </p:cSld>
@@ -3414,8 +3420,8 @@
         </p:nvSpPr>
         <p:spPr>
           <a:xfrm>
-            <a:off x="2998360" y="3051462"/>
-            <a:ext cx="6600547" cy="748988"/>
+            <a:off x="2301449" y="3054506"/>
+            <a:ext cx="7589102" cy="748988"/>
           </a:xfrm>
           <a:prstGeom prst="rect">
             <a:avLst/>
@@ -3431,7 +3437,7 @@
             <a:pPr algn="ctr"/>
             <a:r>
               <a:rPr lang="de-DE" sz="4267" dirty="0" err="1"/>
-              <a:t>Run_s_selective_non_target</a:t>
+              <a:t>Switching_selective_color_target</a:t>
             </a:r>
             <a:endParaRPr lang="de-DE" sz="4267" dirty="0"/>
           </a:p>
@@ -3440,7 +3446,7 @@
     </p:spTree>
     <p:extLst>
       <p:ext uri="{BB962C8B-B14F-4D97-AF65-F5344CB8AC3E}">
-        <p14:creationId xmlns:p14="http://schemas.microsoft.com/office/powerpoint/2010/main" val="4133892345"/>
+        <p14:creationId xmlns:p14="http://schemas.microsoft.com/office/powerpoint/2010/main" val="2943876422"/>
       </p:ext>
     </p:extLst>
   </p:cSld>
@@ -3481,8 +3487,8 @@
         </p:nvSpPr>
         <p:spPr>
           <a:xfrm>
-            <a:off x="4441910" y="3051461"/>
-            <a:ext cx="3308180" cy="748988"/>
+            <a:off x="1682017" y="3054506"/>
+            <a:ext cx="8632022" cy="748988"/>
           </a:xfrm>
           <a:prstGeom prst="rect">
             <a:avLst/>
@@ -3498,7 +3504,7 @@
             <a:pPr algn="ctr"/>
             <a:r>
               <a:rPr lang="de-DE" sz="4267" dirty="0" err="1"/>
-              <a:t>Run_test</a:t>
+              <a:t>Switching_selective_color_non_target</a:t>
             </a:r>
             <a:endParaRPr lang="de-DE" sz="4267" dirty="0"/>
           </a:p>
@@ -3507,7 +3513,208 @@
     </p:spTree>
     <p:extLst>
       <p:ext uri="{BB962C8B-B14F-4D97-AF65-F5344CB8AC3E}">
-        <p14:creationId xmlns:p14="http://schemas.microsoft.com/office/powerpoint/2010/main" val="427215589"/>
+        <p14:creationId xmlns:p14="http://schemas.microsoft.com/office/powerpoint/2010/main" val="1082197561"/>
+      </p:ext>
+    </p:extLst>
+  </p:cSld>
+  <p:clrMapOvr>
+    <a:masterClrMapping/>
+  </p:clrMapOvr>
+</p:sld>
+</file>
+
+<file path=ppt/slides/slide17.xml><?xml version="1.0" encoding="utf-8"?>
+<p:sld xmlns:a="http://schemas.openxmlformats.org/drawingml/2006/main" xmlns:r="http://schemas.openxmlformats.org/officeDocument/2006/relationships" xmlns:p="http://schemas.openxmlformats.org/presentationml/2006/main">
+  <p:cSld>
+    <p:spTree>
+      <p:nvGrpSpPr>
+        <p:cNvPr id="1" name=""/>
+        <p:cNvGrpSpPr/>
+        <p:nvPr/>
+      </p:nvGrpSpPr>
+      <p:grpSpPr>
+        <a:xfrm>
+          <a:off x="0" y="0"/>
+          <a:ext cx="0" cy="0"/>
+          <a:chOff x="0" y="0"/>
+          <a:chExt cx="0" cy="0"/>
+        </a:xfrm>
+      </p:grpSpPr>
+      <p:sp>
+        <p:nvSpPr>
+          <p:cNvPr id="4" name="Textfeld 3">
+            <a:extLst>
+              <a:ext uri="{FF2B5EF4-FFF2-40B4-BE49-F238E27FC236}">
+                <a16:creationId xmlns:a16="http://schemas.microsoft.com/office/drawing/2014/main" id="{C49922B0-65A2-4AE8-B4EB-C05BFBA77DE5}"/>
+              </a:ext>
+            </a:extLst>
+          </p:cNvPr>
+          <p:cNvSpPr txBox="1"/>
+          <p:nvPr/>
+        </p:nvSpPr>
+        <p:spPr>
+          <a:xfrm>
+            <a:off x="2301449" y="3054506"/>
+            <a:ext cx="7589102" cy="748988"/>
+          </a:xfrm>
+          <a:prstGeom prst="rect">
+            <a:avLst/>
+          </a:prstGeom>
+          <a:noFill/>
+        </p:spPr>
+        <p:txBody>
+          <a:bodyPr wrap="square" rtlCol="0">
+            <a:spAutoFit/>
+          </a:bodyPr>
+          <a:lstStyle/>
+          <a:p>
+            <a:pPr algn="ctr"/>
+            <a:r>
+              <a:rPr lang="de-DE" sz="4267" dirty="0" err="1"/>
+              <a:t>Switching_selective_form_target</a:t>
+            </a:r>
+            <a:endParaRPr lang="de-DE" sz="4267" dirty="0"/>
+          </a:p>
+        </p:txBody>
+      </p:sp>
+    </p:spTree>
+    <p:extLst>
+      <p:ext uri="{BB962C8B-B14F-4D97-AF65-F5344CB8AC3E}">
+        <p14:creationId xmlns:p14="http://schemas.microsoft.com/office/powerpoint/2010/main" val="101981062"/>
+      </p:ext>
+    </p:extLst>
+  </p:cSld>
+  <p:clrMapOvr>
+    <a:masterClrMapping/>
+  </p:clrMapOvr>
+</p:sld>
+</file>
+
+<file path=ppt/slides/slide18.xml><?xml version="1.0" encoding="utf-8"?>
+<p:sld xmlns:a="http://schemas.openxmlformats.org/drawingml/2006/main" xmlns:r="http://schemas.openxmlformats.org/officeDocument/2006/relationships" xmlns:p="http://schemas.openxmlformats.org/presentationml/2006/main">
+  <p:cSld>
+    <p:spTree>
+      <p:nvGrpSpPr>
+        <p:cNvPr id="1" name=""/>
+        <p:cNvGrpSpPr/>
+        <p:nvPr/>
+      </p:nvGrpSpPr>
+      <p:grpSpPr>
+        <a:xfrm>
+          <a:off x="0" y="0"/>
+          <a:ext cx="0" cy="0"/>
+          <a:chOff x="0" y="0"/>
+          <a:chExt cx="0" cy="0"/>
+        </a:xfrm>
+      </p:grpSpPr>
+      <p:sp>
+        <p:nvSpPr>
+          <p:cNvPr id="4" name="Textfeld 3">
+            <a:extLst>
+              <a:ext uri="{FF2B5EF4-FFF2-40B4-BE49-F238E27FC236}">
+                <a16:creationId xmlns:a16="http://schemas.microsoft.com/office/drawing/2014/main" id="{C49922B0-65A2-4AE8-B4EB-C05BFBA77DE5}"/>
+              </a:ext>
+            </a:extLst>
+          </p:cNvPr>
+          <p:cNvSpPr txBox="1"/>
+          <p:nvPr/>
+        </p:nvSpPr>
+        <p:spPr>
+          <a:xfrm>
+            <a:off x="1416544" y="3054506"/>
+            <a:ext cx="8671351" cy="748988"/>
+          </a:xfrm>
+          <a:prstGeom prst="rect">
+            <a:avLst/>
+          </a:prstGeom>
+          <a:noFill/>
+        </p:spPr>
+        <p:txBody>
+          <a:bodyPr wrap="square" rtlCol="0">
+            <a:spAutoFit/>
+          </a:bodyPr>
+          <a:lstStyle/>
+          <a:p>
+            <a:pPr algn="ctr"/>
+            <a:r>
+              <a:rPr lang="de-DE" sz="4267" dirty="0" err="1"/>
+              <a:t>Switching_selective_form_non_target</a:t>
+            </a:r>
+            <a:endParaRPr lang="de-DE" sz="4267" dirty="0"/>
+          </a:p>
+        </p:txBody>
+      </p:sp>
+    </p:spTree>
+    <p:extLst>
+      <p:ext uri="{BB962C8B-B14F-4D97-AF65-F5344CB8AC3E}">
+        <p14:creationId xmlns:p14="http://schemas.microsoft.com/office/powerpoint/2010/main" val="3720082323"/>
+      </p:ext>
+    </p:extLst>
+  </p:cSld>
+  <p:clrMapOvr>
+    <a:masterClrMapping/>
+  </p:clrMapOvr>
+</p:sld>
+</file>
+
+<file path=ppt/slides/slide19.xml><?xml version="1.0" encoding="utf-8"?>
+<p:sld xmlns:a="http://schemas.openxmlformats.org/drawingml/2006/main" xmlns:r="http://schemas.openxmlformats.org/officeDocument/2006/relationships" xmlns:p="http://schemas.openxmlformats.org/presentationml/2006/main">
+  <p:cSld>
+    <p:spTree>
+      <p:nvGrpSpPr>
+        <p:cNvPr id="1" name=""/>
+        <p:cNvGrpSpPr/>
+        <p:nvPr/>
+      </p:nvGrpSpPr>
+      <p:grpSpPr>
+        <a:xfrm>
+          <a:off x="0" y="0"/>
+          <a:ext cx="0" cy="0"/>
+          <a:chOff x="0" y="0"/>
+          <a:chExt cx="0" cy="0"/>
+        </a:xfrm>
+      </p:grpSpPr>
+      <p:sp>
+        <p:nvSpPr>
+          <p:cNvPr id="4" name="Textfeld 3">
+            <a:extLst>
+              <a:ext uri="{FF2B5EF4-FFF2-40B4-BE49-F238E27FC236}">
+                <a16:creationId xmlns:a16="http://schemas.microsoft.com/office/drawing/2014/main" id="{C49922B0-65A2-4AE8-B4EB-C05BFBA77DE5}"/>
+              </a:ext>
+            </a:extLst>
+          </p:cNvPr>
+          <p:cNvSpPr txBox="1"/>
+          <p:nvPr/>
+        </p:nvSpPr>
+        <p:spPr>
+          <a:xfrm>
+            <a:off x="2509542" y="3054506"/>
+            <a:ext cx="7027747" cy="748988"/>
+          </a:xfrm>
+          <a:prstGeom prst="rect">
+            <a:avLst/>
+          </a:prstGeom>
+          <a:noFill/>
+        </p:spPr>
+        <p:txBody>
+          <a:bodyPr wrap="square" rtlCol="0">
+            <a:spAutoFit/>
+          </a:bodyPr>
+          <a:lstStyle/>
+          <a:p>
+            <a:pPr algn="ctr"/>
+            <a:r>
+              <a:rPr lang="de-DE" sz="4267" dirty="0" err="1"/>
+              <a:t>Switching_divided_non_target</a:t>
+            </a:r>
+            <a:endParaRPr lang="de-DE" sz="4267" dirty="0"/>
+          </a:p>
+        </p:txBody>
+      </p:sp>
+    </p:spTree>
+    <p:extLst>
+      <p:ext uri="{BB962C8B-B14F-4D97-AF65-F5344CB8AC3E}">
+        <p14:creationId xmlns:p14="http://schemas.microsoft.com/office/powerpoint/2010/main" val="3380513331"/>
       </p:ext>
     </p:extLst>
   </p:cSld>
@@ -3574,6 +3781,206 @@
     <p:extLst>
       <p:ext uri="{BB962C8B-B14F-4D97-AF65-F5344CB8AC3E}">
         <p14:creationId xmlns:p14="http://schemas.microsoft.com/office/powerpoint/2010/main" val="2184583833"/>
+      </p:ext>
+    </p:extLst>
+  </p:cSld>
+  <p:clrMapOvr>
+    <a:masterClrMapping/>
+  </p:clrMapOvr>
+</p:sld>
+</file>
+
+<file path=ppt/slides/slide20.xml><?xml version="1.0" encoding="utf-8"?>
+<p:sld xmlns:a="http://schemas.openxmlformats.org/drawingml/2006/main" xmlns:r="http://schemas.openxmlformats.org/officeDocument/2006/relationships" xmlns:p="http://schemas.openxmlformats.org/presentationml/2006/main">
+  <p:cSld>
+    <p:spTree>
+      <p:nvGrpSpPr>
+        <p:cNvPr id="1" name=""/>
+        <p:cNvGrpSpPr/>
+        <p:nvPr/>
+      </p:nvGrpSpPr>
+      <p:grpSpPr>
+        <a:xfrm>
+          <a:off x="0" y="0"/>
+          <a:ext cx="0" cy="0"/>
+          <a:chOff x="0" y="0"/>
+          <a:chExt cx="0" cy="0"/>
+        </a:xfrm>
+      </p:grpSpPr>
+      <p:sp>
+        <p:nvSpPr>
+          <p:cNvPr id="4" name="Textfeld 3">
+            <a:extLst>
+              <a:ext uri="{FF2B5EF4-FFF2-40B4-BE49-F238E27FC236}">
+                <a16:creationId xmlns:a16="http://schemas.microsoft.com/office/drawing/2014/main" id="{C49922B0-65A2-4AE8-B4EB-C05BFBA77DE5}"/>
+              </a:ext>
+            </a:extLst>
+          </p:cNvPr>
+          <p:cNvSpPr txBox="1"/>
+          <p:nvPr/>
+        </p:nvSpPr>
+        <p:spPr>
+          <a:xfrm>
+            <a:off x="2509542" y="3054506"/>
+            <a:ext cx="7322716" cy="748988"/>
+          </a:xfrm>
+          <a:prstGeom prst="rect">
+            <a:avLst/>
+          </a:prstGeom>
+          <a:noFill/>
+        </p:spPr>
+        <p:txBody>
+          <a:bodyPr wrap="square" rtlCol="0">
+            <a:spAutoFit/>
+          </a:bodyPr>
+          <a:lstStyle/>
+          <a:p>
+            <a:pPr algn="ctr"/>
+            <a:r>
+              <a:rPr lang="de-DE" sz="4267" dirty="0" err="1"/>
+              <a:t>Switching_divided_color_target</a:t>
+            </a:r>
+            <a:endParaRPr lang="de-DE" sz="4267" dirty="0"/>
+          </a:p>
+        </p:txBody>
+      </p:sp>
+    </p:spTree>
+    <p:extLst>
+      <p:ext uri="{BB962C8B-B14F-4D97-AF65-F5344CB8AC3E}">
+        <p14:creationId xmlns:p14="http://schemas.microsoft.com/office/powerpoint/2010/main" val="3145607960"/>
+      </p:ext>
+    </p:extLst>
+  </p:cSld>
+  <p:clrMapOvr>
+    <a:masterClrMapping/>
+  </p:clrMapOvr>
+</p:sld>
+</file>
+
+<file path=ppt/slides/slide21.xml><?xml version="1.0" encoding="utf-8"?>
+<p:sld xmlns:a="http://schemas.openxmlformats.org/drawingml/2006/main" xmlns:r="http://schemas.openxmlformats.org/officeDocument/2006/relationships" xmlns:p="http://schemas.openxmlformats.org/presentationml/2006/main">
+  <p:cSld>
+    <p:spTree>
+      <p:nvGrpSpPr>
+        <p:cNvPr id="1" name=""/>
+        <p:cNvGrpSpPr/>
+        <p:nvPr/>
+      </p:nvGrpSpPr>
+      <p:grpSpPr>
+        <a:xfrm>
+          <a:off x="0" y="0"/>
+          <a:ext cx="0" cy="0"/>
+          <a:chOff x="0" y="0"/>
+          <a:chExt cx="0" cy="0"/>
+        </a:xfrm>
+      </p:grpSpPr>
+      <p:sp>
+        <p:nvSpPr>
+          <p:cNvPr id="4" name="Textfeld 3">
+            <a:extLst>
+              <a:ext uri="{FF2B5EF4-FFF2-40B4-BE49-F238E27FC236}">
+                <a16:creationId xmlns:a16="http://schemas.microsoft.com/office/drawing/2014/main" id="{C49922B0-65A2-4AE8-B4EB-C05BFBA77DE5}"/>
+              </a:ext>
+            </a:extLst>
+          </p:cNvPr>
+          <p:cNvSpPr txBox="1"/>
+          <p:nvPr/>
+        </p:nvSpPr>
+        <p:spPr>
+          <a:xfrm>
+            <a:off x="2509542" y="3054506"/>
+            <a:ext cx="7185064" cy="748988"/>
+          </a:xfrm>
+          <a:prstGeom prst="rect">
+            <a:avLst/>
+          </a:prstGeom>
+          <a:noFill/>
+        </p:spPr>
+        <p:txBody>
+          <a:bodyPr wrap="square" rtlCol="0">
+            <a:spAutoFit/>
+          </a:bodyPr>
+          <a:lstStyle/>
+          <a:p>
+            <a:pPr algn="ctr"/>
+            <a:r>
+              <a:rPr lang="de-DE" sz="4267" dirty="0" err="1"/>
+              <a:t>Switching_divided_form_target</a:t>
+            </a:r>
+            <a:endParaRPr lang="de-DE" sz="4267" dirty="0"/>
+          </a:p>
+        </p:txBody>
+      </p:sp>
+    </p:spTree>
+    <p:extLst>
+      <p:ext uri="{BB962C8B-B14F-4D97-AF65-F5344CB8AC3E}">
+        <p14:creationId xmlns:p14="http://schemas.microsoft.com/office/powerpoint/2010/main" val="3940410431"/>
+      </p:ext>
+    </p:extLst>
+  </p:cSld>
+  <p:clrMapOvr>
+    <a:masterClrMapping/>
+  </p:clrMapOvr>
+</p:sld>
+</file>
+
+<file path=ppt/slides/slide22.xml><?xml version="1.0" encoding="utf-8"?>
+<p:sld xmlns:a="http://schemas.openxmlformats.org/drawingml/2006/main" xmlns:r="http://schemas.openxmlformats.org/officeDocument/2006/relationships" xmlns:p="http://schemas.openxmlformats.org/presentationml/2006/main">
+  <p:cSld>
+    <p:spTree>
+      <p:nvGrpSpPr>
+        <p:cNvPr id="1" name=""/>
+        <p:cNvGrpSpPr/>
+        <p:nvPr/>
+      </p:nvGrpSpPr>
+      <p:grpSpPr>
+        <a:xfrm>
+          <a:off x="0" y="0"/>
+          <a:ext cx="0" cy="0"/>
+          <a:chOff x="0" y="0"/>
+          <a:chExt cx="0" cy="0"/>
+        </a:xfrm>
+      </p:grpSpPr>
+      <p:sp>
+        <p:nvSpPr>
+          <p:cNvPr id="4" name="Textfeld 3">
+            <a:extLst>
+              <a:ext uri="{FF2B5EF4-FFF2-40B4-BE49-F238E27FC236}">
+                <a16:creationId xmlns:a16="http://schemas.microsoft.com/office/drawing/2014/main" id="{C49922B0-65A2-4AE8-B4EB-C05BFBA77DE5}"/>
+              </a:ext>
+            </a:extLst>
+          </p:cNvPr>
+          <p:cNvSpPr txBox="1"/>
+          <p:nvPr/>
+        </p:nvSpPr>
+        <p:spPr>
+          <a:xfrm>
+            <a:off x="4441910" y="3051461"/>
+            <a:ext cx="3308180" cy="748988"/>
+          </a:xfrm>
+          <a:prstGeom prst="rect">
+            <a:avLst/>
+          </a:prstGeom>
+          <a:noFill/>
+        </p:spPr>
+        <p:txBody>
+          <a:bodyPr wrap="square" rtlCol="0">
+            <a:spAutoFit/>
+          </a:bodyPr>
+          <a:lstStyle/>
+          <a:p>
+            <a:pPr algn="ctr"/>
+            <a:r>
+              <a:rPr lang="de-DE" sz="4267" dirty="0"/>
+              <a:t>Test</a:t>
+            </a:r>
+          </a:p>
+        </p:txBody>
+      </p:sp>
+    </p:spTree>
+    <p:extLst>
+      <p:ext uri="{BB962C8B-B14F-4D97-AF65-F5344CB8AC3E}">
+        <p14:creationId xmlns:p14="http://schemas.microsoft.com/office/powerpoint/2010/main" val="427215589"/>
       </p:ext>
     </p:extLst>
   </p:cSld>
@@ -3964,7 +4371,7 @@
             <a:pPr algn="ctr"/>
             <a:r>
               <a:rPr lang="de-DE" sz="4267" dirty="0" err="1"/>
-              <a:t>Run_divided_target</a:t>
+              <a:t>Divided_non_target</a:t>
             </a:r>
             <a:endParaRPr lang="de-DE" sz="4267" dirty="0"/>
           </a:p>
@@ -4031,7 +4438,7 @@
             <a:pPr algn="ctr"/>
             <a:r>
               <a:rPr lang="de-DE" sz="4267" dirty="0" err="1"/>
-              <a:t>Run_divided_non_target</a:t>
+              <a:t>Divided_color_target</a:t>
             </a:r>
             <a:endParaRPr lang="de-DE" sz="4267" dirty="0"/>
           </a:p>
